--- a/ppt 16-9/1093.与主接近.pptx
+++ b/ppt 16-9/1093.与主接近.pptx
@@ -129,7 +129,7 @@
           <p:cNvPr id="2" name="标题 1">
             <a:extLst>
               <a:ext uri="{FF2B5EF4-FFF2-40B4-BE49-F238E27FC236}">
-                <a16:creationId xmlns:a16="http://schemas.microsoft.com/office/drawing/2014/main" id="{E5BBBC30-F737-76B0-E2AD-9745F4CC71B1}"/>
+                <a16:creationId xmlns:a16="http://schemas.microsoft.com/office/drawing/2014/main" id="{679BD630-3B7C-D95F-FBDC-E84E3CDA1716}"/>
               </a:ext>
             </a:extLst>
           </p:cNvPr>
@@ -166,7 +166,7 @@
           <p:cNvPr id="3" name="副标题 2">
             <a:extLst>
               <a:ext uri="{FF2B5EF4-FFF2-40B4-BE49-F238E27FC236}">
-                <a16:creationId xmlns:a16="http://schemas.microsoft.com/office/drawing/2014/main" id="{22FAAA40-9C6D-D616-046D-9CADAE6200B9}"/>
+                <a16:creationId xmlns:a16="http://schemas.microsoft.com/office/drawing/2014/main" id="{A4DEA502-9457-147B-C209-35D53D78E422}"/>
               </a:ext>
             </a:extLst>
           </p:cNvPr>
@@ -236,7 +236,7 @@
           <p:cNvPr id="4" name="日期占位符 3">
             <a:extLst>
               <a:ext uri="{FF2B5EF4-FFF2-40B4-BE49-F238E27FC236}">
-                <a16:creationId xmlns:a16="http://schemas.microsoft.com/office/drawing/2014/main" id="{EF434909-259E-6EC4-AE66-2E68C48E7B7A}"/>
+                <a16:creationId xmlns:a16="http://schemas.microsoft.com/office/drawing/2014/main" id="{47A8F5B6-1A73-A1BF-3127-1C63F4B0AE44}"/>
               </a:ext>
             </a:extLst>
           </p:cNvPr>
@@ -252,7 +252,7 @@
           <a:bodyPr/>
           <a:lstStyle/>
           <a:p>
-            <a:fld id="{5550F5B4-6F88-4883-8A8B-4DEE686091C4}" type="datetimeFigureOut">
+            <a:fld id="{F23AC854-FF47-44B0-861B-6CC8AE2EDE47}" type="datetimeFigureOut">
               <a:rPr lang="zh-CN" altLang="en-US" smtClean="0"/>
               <a:t>2024/3/10</a:t>
             </a:fld>
@@ -265,7 +265,7 @@
           <p:cNvPr id="5" name="页脚占位符 4">
             <a:extLst>
               <a:ext uri="{FF2B5EF4-FFF2-40B4-BE49-F238E27FC236}">
-                <a16:creationId xmlns:a16="http://schemas.microsoft.com/office/drawing/2014/main" id="{42019656-7B9E-0FFC-3B6E-1DCE846792F0}"/>
+                <a16:creationId xmlns:a16="http://schemas.microsoft.com/office/drawing/2014/main" id="{1063C20A-17F3-AFF2-003D-84115A0A98E8}"/>
               </a:ext>
             </a:extLst>
           </p:cNvPr>
@@ -290,7 +290,7 @@
           <p:cNvPr id="6" name="灯片编号占位符 5">
             <a:extLst>
               <a:ext uri="{FF2B5EF4-FFF2-40B4-BE49-F238E27FC236}">
-                <a16:creationId xmlns:a16="http://schemas.microsoft.com/office/drawing/2014/main" id="{BD2E59EC-B0C0-5BC4-2765-6D29963D8512}"/>
+                <a16:creationId xmlns:a16="http://schemas.microsoft.com/office/drawing/2014/main" id="{AFB55FD4-AC42-B2C9-1D47-F13B041B083E}"/>
               </a:ext>
             </a:extLst>
           </p:cNvPr>
@@ -306,7 +306,7 @@
           <a:bodyPr/>
           <a:lstStyle/>
           <a:p>
-            <a:fld id="{81F15D19-E4AF-465B-A93E-171BA4EC1CB1}" type="slidenum">
+            <a:fld id="{E8F104C0-311D-4F75-9242-ED319E2360F5}" type="slidenum">
               <a:rPr lang="zh-CN" altLang="en-US" smtClean="0"/>
               <a:t>‹#›</a:t>
             </a:fld>
@@ -317,7 +317,7 @@
     </p:spTree>
     <p:extLst>
       <p:ext uri="{BB962C8B-B14F-4D97-AF65-F5344CB8AC3E}">
-        <p14:creationId xmlns:p14="http://schemas.microsoft.com/office/powerpoint/2010/main" val="111988654"/>
+        <p14:creationId xmlns:p14="http://schemas.microsoft.com/office/powerpoint/2010/main" val="3526761930"/>
       </p:ext>
     </p:extLst>
   </p:cSld>
@@ -349,7 +349,7 @@
           <p:cNvPr id="2" name="标题 1">
             <a:extLst>
               <a:ext uri="{FF2B5EF4-FFF2-40B4-BE49-F238E27FC236}">
-                <a16:creationId xmlns:a16="http://schemas.microsoft.com/office/drawing/2014/main" id="{6F30FA52-1453-F544-123B-14BD433D4BEE}"/>
+                <a16:creationId xmlns:a16="http://schemas.microsoft.com/office/drawing/2014/main" id="{2D7B62D2-D8CC-069B-3492-A70B521FA76C}"/>
               </a:ext>
             </a:extLst>
           </p:cNvPr>
@@ -377,7 +377,7 @@
           <p:cNvPr id="3" name="竖排文字占位符 2">
             <a:extLst>
               <a:ext uri="{FF2B5EF4-FFF2-40B4-BE49-F238E27FC236}">
-                <a16:creationId xmlns:a16="http://schemas.microsoft.com/office/drawing/2014/main" id="{D669A4F4-7802-FF75-A741-B31E0F4A322E}"/>
+                <a16:creationId xmlns:a16="http://schemas.microsoft.com/office/drawing/2014/main" id="{E64048FA-2A6A-1ECA-7C51-9E5D0A6DD4E3}"/>
               </a:ext>
             </a:extLst>
           </p:cNvPr>
@@ -434,7 +434,7 @@
           <p:cNvPr id="4" name="日期占位符 3">
             <a:extLst>
               <a:ext uri="{FF2B5EF4-FFF2-40B4-BE49-F238E27FC236}">
-                <a16:creationId xmlns:a16="http://schemas.microsoft.com/office/drawing/2014/main" id="{4127574C-AF70-09B1-F9BE-3DCFC36AEBEE}"/>
+                <a16:creationId xmlns:a16="http://schemas.microsoft.com/office/drawing/2014/main" id="{4BF9557B-7E96-D300-5336-6342411C04E0}"/>
               </a:ext>
             </a:extLst>
           </p:cNvPr>
@@ -450,7 +450,7 @@
           <a:bodyPr/>
           <a:lstStyle/>
           <a:p>
-            <a:fld id="{5550F5B4-6F88-4883-8A8B-4DEE686091C4}" type="datetimeFigureOut">
+            <a:fld id="{F23AC854-FF47-44B0-861B-6CC8AE2EDE47}" type="datetimeFigureOut">
               <a:rPr lang="zh-CN" altLang="en-US" smtClean="0"/>
               <a:t>2024/3/10</a:t>
             </a:fld>
@@ -463,7 +463,7 @@
           <p:cNvPr id="5" name="页脚占位符 4">
             <a:extLst>
               <a:ext uri="{FF2B5EF4-FFF2-40B4-BE49-F238E27FC236}">
-                <a16:creationId xmlns:a16="http://schemas.microsoft.com/office/drawing/2014/main" id="{600D1D92-995D-B231-286D-8BDC5D5EDAEE}"/>
+                <a16:creationId xmlns:a16="http://schemas.microsoft.com/office/drawing/2014/main" id="{8A24DDF6-8AF5-5D7D-2A59-4E73FB19CD01}"/>
               </a:ext>
             </a:extLst>
           </p:cNvPr>
@@ -488,7 +488,7 @@
           <p:cNvPr id="6" name="灯片编号占位符 5">
             <a:extLst>
               <a:ext uri="{FF2B5EF4-FFF2-40B4-BE49-F238E27FC236}">
-                <a16:creationId xmlns:a16="http://schemas.microsoft.com/office/drawing/2014/main" id="{93390F63-0756-AE2A-F56D-5C08B10D85CB}"/>
+                <a16:creationId xmlns:a16="http://schemas.microsoft.com/office/drawing/2014/main" id="{C8206A2D-69CB-3F84-38E5-3BC235ACE0E1}"/>
               </a:ext>
             </a:extLst>
           </p:cNvPr>
@@ -504,7 +504,7 @@
           <a:bodyPr/>
           <a:lstStyle/>
           <a:p>
-            <a:fld id="{81F15D19-E4AF-465B-A93E-171BA4EC1CB1}" type="slidenum">
+            <a:fld id="{E8F104C0-311D-4F75-9242-ED319E2360F5}" type="slidenum">
               <a:rPr lang="zh-CN" altLang="en-US" smtClean="0"/>
               <a:t>‹#›</a:t>
             </a:fld>
@@ -515,7 +515,7 @@
     </p:spTree>
     <p:extLst>
       <p:ext uri="{BB962C8B-B14F-4D97-AF65-F5344CB8AC3E}">
-        <p14:creationId xmlns:p14="http://schemas.microsoft.com/office/powerpoint/2010/main" val="55372977"/>
+        <p14:creationId xmlns:p14="http://schemas.microsoft.com/office/powerpoint/2010/main" val="3119685756"/>
       </p:ext>
     </p:extLst>
   </p:cSld>
@@ -547,7 +547,7 @@
           <p:cNvPr id="2" name="竖排标题 1">
             <a:extLst>
               <a:ext uri="{FF2B5EF4-FFF2-40B4-BE49-F238E27FC236}">
-                <a16:creationId xmlns:a16="http://schemas.microsoft.com/office/drawing/2014/main" id="{C36861F2-D64D-2A25-6332-CEA09836082E}"/>
+                <a16:creationId xmlns:a16="http://schemas.microsoft.com/office/drawing/2014/main" id="{12DFCF4B-9591-6E24-0C28-5A258E503DE0}"/>
               </a:ext>
             </a:extLst>
           </p:cNvPr>
@@ -580,7 +580,7 @@
           <p:cNvPr id="3" name="竖排文字占位符 2">
             <a:extLst>
               <a:ext uri="{FF2B5EF4-FFF2-40B4-BE49-F238E27FC236}">
-                <a16:creationId xmlns:a16="http://schemas.microsoft.com/office/drawing/2014/main" id="{356464D2-CBC2-00AD-6BDB-1E041C77B459}"/>
+                <a16:creationId xmlns:a16="http://schemas.microsoft.com/office/drawing/2014/main" id="{A5C8A9A7-175B-24A8-B334-7CE0C9CA3261}"/>
               </a:ext>
             </a:extLst>
           </p:cNvPr>
@@ -642,7 +642,7 @@
           <p:cNvPr id="4" name="日期占位符 3">
             <a:extLst>
               <a:ext uri="{FF2B5EF4-FFF2-40B4-BE49-F238E27FC236}">
-                <a16:creationId xmlns:a16="http://schemas.microsoft.com/office/drawing/2014/main" id="{15E22345-1206-1F43-831A-35200EB1D3CA}"/>
+                <a16:creationId xmlns:a16="http://schemas.microsoft.com/office/drawing/2014/main" id="{DDB5D62D-408E-A99B-0EA3-434160D54D69}"/>
               </a:ext>
             </a:extLst>
           </p:cNvPr>
@@ -658,7 +658,7 @@
           <a:bodyPr/>
           <a:lstStyle/>
           <a:p>
-            <a:fld id="{5550F5B4-6F88-4883-8A8B-4DEE686091C4}" type="datetimeFigureOut">
+            <a:fld id="{F23AC854-FF47-44B0-861B-6CC8AE2EDE47}" type="datetimeFigureOut">
               <a:rPr lang="zh-CN" altLang="en-US" smtClean="0"/>
               <a:t>2024/3/10</a:t>
             </a:fld>
@@ -671,7 +671,7 @@
           <p:cNvPr id="5" name="页脚占位符 4">
             <a:extLst>
               <a:ext uri="{FF2B5EF4-FFF2-40B4-BE49-F238E27FC236}">
-                <a16:creationId xmlns:a16="http://schemas.microsoft.com/office/drawing/2014/main" id="{4D09F8CA-9075-9745-C392-275067CABCC0}"/>
+                <a16:creationId xmlns:a16="http://schemas.microsoft.com/office/drawing/2014/main" id="{736AAE61-89D2-A046-109A-93DEA4C1EDE5}"/>
               </a:ext>
             </a:extLst>
           </p:cNvPr>
@@ -696,7 +696,7 @@
           <p:cNvPr id="6" name="灯片编号占位符 5">
             <a:extLst>
               <a:ext uri="{FF2B5EF4-FFF2-40B4-BE49-F238E27FC236}">
-                <a16:creationId xmlns:a16="http://schemas.microsoft.com/office/drawing/2014/main" id="{01D35EAA-4A1A-A42D-7896-927816898959}"/>
+                <a16:creationId xmlns:a16="http://schemas.microsoft.com/office/drawing/2014/main" id="{07A0DD9F-285C-7099-8F12-4E53C9D3A77E}"/>
               </a:ext>
             </a:extLst>
           </p:cNvPr>
@@ -712,7 +712,7 @@
           <a:bodyPr/>
           <a:lstStyle/>
           <a:p>
-            <a:fld id="{81F15D19-E4AF-465B-A93E-171BA4EC1CB1}" type="slidenum">
+            <a:fld id="{E8F104C0-311D-4F75-9242-ED319E2360F5}" type="slidenum">
               <a:rPr lang="zh-CN" altLang="en-US" smtClean="0"/>
               <a:t>‹#›</a:t>
             </a:fld>
@@ -723,7 +723,7 @@
     </p:spTree>
     <p:extLst>
       <p:ext uri="{BB962C8B-B14F-4D97-AF65-F5344CB8AC3E}">
-        <p14:creationId xmlns:p14="http://schemas.microsoft.com/office/powerpoint/2010/main" val="3142336805"/>
+        <p14:creationId xmlns:p14="http://schemas.microsoft.com/office/powerpoint/2010/main" val="2723205639"/>
       </p:ext>
     </p:extLst>
   </p:cSld>
@@ -755,7 +755,7 @@
           <p:cNvPr id="2" name="标题 1">
             <a:extLst>
               <a:ext uri="{FF2B5EF4-FFF2-40B4-BE49-F238E27FC236}">
-                <a16:creationId xmlns:a16="http://schemas.microsoft.com/office/drawing/2014/main" id="{2A76402E-4F83-77DF-BA57-1C739948DC3D}"/>
+                <a16:creationId xmlns:a16="http://schemas.microsoft.com/office/drawing/2014/main" id="{1A722893-C51F-3AC5-50D0-B0CE2A3218A2}"/>
               </a:ext>
             </a:extLst>
           </p:cNvPr>
@@ -783,7 +783,7 @@
           <p:cNvPr id="3" name="内容占位符 2">
             <a:extLst>
               <a:ext uri="{FF2B5EF4-FFF2-40B4-BE49-F238E27FC236}">
-                <a16:creationId xmlns:a16="http://schemas.microsoft.com/office/drawing/2014/main" id="{92CA0450-0682-654F-30E8-1D36B913358B}"/>
+                <a16:creationId xmlns:a16="http://schemas.microsoft.com/office/drawing/2014/main" id="{7BE2361E-C711-BD7F-A584-214F1F9BD196}"/>
               </a:ext>
             </a:extLst>
           </p:cNvPr>
@@ -840,7 +840,7 @@
           <p:cNvPr id="4" name="日期占位符 3">
             <a:extLst>
               <a:ext uri="{FF2B5EF4-FFF2-40B4-BE49-F238E27FC236}">
-                <a16:creationId xmlns:a16="http://schemas.microsoft.com/office/drawing/2014/main" id="{70038A54-C261-6A2C-79FD-56777CBD7B0E}"/>
+                <a16:creationId xmlns:a16="http://schemas.microsoft.com/office/drawing/2014/main" id="{5BD882FF-41AD-6D76-7F94-C41FCE7E6B0F}"/>
               </a:ext>
             </a:extLst>
           </p:cNvPr>
@@ -856,7 +856,7 @@
           <a:bodyPr/>
           <a:lstStyle/>
           <a:p>
-            <a:fld id="{5550F5B4-6F88-4883-8A8B-4DEE686091C4}" type="datetimeFigureOut">
+            <a:fld id="{F23AC854-FF47-44B0-861B-6CC8AE2EDE47}" type="datetimeFigureOut">
               <a:rPr lang="zh-CN" altLang="en-US" smtClean="0"/>
               <a:t>2024/3/10</a:t>
             </a:fld>
@@ -869,7 +869,7 @@
           <p:cNvPr id="5" name="页脚占位符 4">
             <a:extLst>
               <a:ext uri="{FF2B5EF4-FFF2-40B4-BE49-F238E27FC236}">
-                <a16:creationId xmlns:a16="http://schemas.microsoft.com/office/drawing/2014/main" id="{89324E6A-79E5-CFFD-C200-0B7F4A4ED8DF}"/>
+                <a16:creationId xmlns:a16="http://schemas.microsoft.com/office/drawing/2014/main" id="{D36995BF-A855-E286-457D-52A5B532FB68}"/>
               </a:ext>
             </a:extLst>
           </p:cNvPr>
@@ -894,7 +894,7 @@
           <p:cNvPr id="6" name="灯片编号占位符 5">
             <a:extLst>
               <a:ext uri="{FF2B5EF4-FFF2-40B4-BE49-F238E27FC236}">
-                <a16:creationId xmlns:a16="http://schemas.microsoft.com/office/drawing/2014/main" id="{B52B7AE7-B01C-1FF4-FEE5-BAC0AC722C30}"/>
+                <a16:creationId xmlns:a16="http://schemas.microsoft.com/office/drawing/2014/main" id="{3606B69B-A685-EF97-FE8B-AF6AD3B4A819}"/>
               </a:ext>
             </a:extLst>
           </p:cNvPr>
@@ -910,7 +910,7 @@
           <a:bodyPr/>
           <a:lstStyle/>
           <a:p>
-            <a:fld id="{81F15D19-E4AF-465B-A93E-171BA4EC1CB1}" type="slidenum">
+            <a:fld id="{E8F104C0-311D-4F75-9242-ED319E2360F5}" type="slidenum">
               <a:rPr lang="zh-CN" altLang="en-US" smtClean="0"/>
               <a:t>‹#›</a:t>
             </a:fld>
@@ -921,7 +921,7 @@
     </p:spTree>
     <p:extLst>
       <p:ext uri="{BB962C8B-B14F-4D97-AF65-F5344CB8AC3E}">
-        <p14:creationId xmlns:p14="http://schemas.microsoft.com/office/powerpoint/2010/main" val="1243963434"/>
+        <p14:creationId xmlns:p14="http://schemas.microsoft.com/office/powerpoint/2010/main" val="3265909713"/>
       </p:ext>
     </p:extLst>
   </p:cSld>
@@ -953,7 +953,7 @@
           <p:cNvPr id="2" name="标题 1">
             <a:extLst>
               <a:ext uri="{FF2B5EF4-FFF2-40B4-BE49-F238E27FC236}">
-                <a16:creationId xmlns:a16="http://schemas.microsoft.com/office/drawing/2014/main" id="{97CAF5DA-1DC9-8153-748B-E3747753588D}"/>
+                <a16:creationId xmlns:a16="http://schemas.microsoft.com/office/drawing/2014/main" id="{339CB22F-61EC-1BEA-FCBB-77D7110E4486}"/>
               </a:ext>
             </a:extLst>
           </p:cNvPr>
@@ -990,7 +990,7 @@
           <p:cNvPr id="3" name="文本占位符 2">
             <a:extLst>
               <a:ext uri="{FF2B5EF4-FFF2-40B4-BE49-F238E27FC236}">
-                <a16:creationId xmlns:a16="http://schemas.microsoft.com/office/drawing/2014/main" id="{54B5AA5F-57CC-D948-330E-9154A9424984}"/>
+                <a16:creationId xmlns:a16="http://schemas.microsoft.com/office/drawing/2014/main" id="{748E56B2-4E22-4D4E-D59F-BC5F6F0E9F55}"/>
               </a:ext>
             </a:extLst>
           </p:cNvPr>
@@ -1115,7 +1115,7 @@
           <p:cNvPr id="4" name="日期占位符 3">
             <a:extLst>
               <a:ext uri="{FF2B5EF4-FFF2-40B4-BE49-F238E27FC236}">
-                <a16:creationId xmlns:a16="http://schemas.microsoft.com/office/drawing/2014/main" id="{D1EA274C-DEE8-5EEF-AE76-6FA0A9D01F87}"/>
+                <a16:creationId xmlns:a16="http://schemas.microsoft.com/office/drawing/2014/main" id="{F3313E54-263A-77A3-A9B4-71934974DCAA}"/>
               </a:ext>
             </a:extLst>
           </p:cNvPr>
@@ -1131,7 +1131,7 @@
           <a:bodyPr/>
           <a:lstStyle/>
           <a:p>
-            <a:fld id="{5550F5B4-6F88-4883-8A8B-4DEE686091C4}" type="datetimeFigureOut">
+            <a:fld id="{F23AC854-FF47-44B0-861B-6CC8AE2EDE47}" type="datetimeFigureOut">
               <a:rPr lang="zh-CN" altLang="en-US" smtClean="0"/>
               <a:t>2024/3/10</a:t>
             </a:fld>
@@ -1144,7 +1144,7 @@
           <p:cNvPr id="5" name="页脚占位符 4">
             <a:extLst>
               <a:ext uri="{FF2B5EF4-FFF2-40B4-BE49-F238E27FC236}">
-                <a16:creationId xmlns:a16="http://schemas.microsoft.com/office/drawing/2014/main" id="{356A7786-0F39-F19D-9528-F5E7DD8EED98}"/>
+                <a16:creationId xmlns:a16="http://schemas.microsoft.com/office/drawing/2014/main" id="{6E2D1397-D448-C1FF-F5BE-84993EA62551}"/>
               </a:ext>
             </a:extLst>
           </p:cNvPr>
@@ -1169,7 +1169,7 @@
           <p:cNvPr id="6" name="灯片编号占位符 5">
             <a:extLst>
               <a:ext uri="{FF2B5EF4-FFF2-40B4-BE49-F238E27FC236}">
-                <a16:creationId xmlns:a16="http://schemas.microsoft.com/office/drawing/2014/main" id="{ABE44C15-9E8C-4344-E61C-984C0481B973}"/>
+                <a16:creationId xmlns:a16="http://schemas.microsoft.com/office/drawing/2014/main" id="{94510AE9-0AFF-26D4-7BD5-72D03106EF2E}"/>
               </a:ext>
             </a:extLst>
           </p:cNvPr>
@@ -1185,7 +1185,7 @@
           <a:bodyPr/>
           <a:lstStyle/>
           <a:p>
-            <a:fld id="{81F15D19-E4AF-465B-A93E-171BA4EC1CB1}" type="slidenum">
+            <a:fld id="{E8F104C0-311D-4F75-9242-ED319E2360F5}" type="slidenum">
               <a:rPr lang="zh-CN" altLang="en-US" smtClean="0"/>
               <a:t>‹#›</a:t>
             </a:fld>
@@ -1196,7 +1196,7 @@
     </p:spTree>
     <p:extLst>
       <p:ext uri="{BB962C8B-B14F-4D97-AF65-F5344CB8AC3E}">
-        <p14:creationId xmlns:p14="http://schemas.microsoft.com/office/powerpoint/2010/main" val="349635309"/>
+        <p14:creationId xmlns:p14="http://schemas.microsoft.com/office/powerpoint/2010/main" val="1251609375"/>
       </p:ext>
     </p:extLst>
   </p:cSld>
@@ -1228,7 +1228,7 @@
           <p:cNvPr id="2" name="标题 1">
             <a:extLst>
               <a:ext uri="{FF2B5EF4-FFF2-40B4-BE49-F238E27FC236}">
-                <a16:creationId xmlns:a16="http://schemas.microsoft.com/office/drawing/2014/main" id="{B92F3B7D-4983-307F-07F2-48BEE57491E2}"/>
+                <a16:creationId xmlns:a16="http://schemas.microsoft.com/office/drawing/2014/main" id="{4CA26A39-6C6A-445B-7B9F-D3EAB00EE6B9}"/>
               </a:ext>
             </a:extLst>
           </p:cNvPr>
@@ -1256,7 +1256,7 @@
           <p:cNvPr id="3" name="内容占位符 2">
             <a:extLst>
               <a:ext uri="{FF2B5EF4-FFF2-40B4-BE49-F238E27FC236}">
-                <a16:creationId xmlns:a16="http://schemas.microsoft.com/office/drawing/2014/main" id="{3C286962-A5C1-32B9-8B39-CFC5DBBB02BC}"/>
+                <a16:creationId xmlns:a16="http://schemas.microsoft.com/office/drawing/2014/main" id="{0610DBAD-D152-5AE6-5C50-368FFD422E30}"/>
               </a:ext>
             </a:extLst>
           </p:cNvPr>
@@ -1318,7 +1318,7 @@
           <p:cNvPr id="4" name="内容占位符 3">
             <a:extLst>
               <a:ext uri="{FF2B5EF4-FFF2-40B4-BE49-F238E27FC236}">
-                <a16:creationId xmlns:a16="http://schemas.microsoft.com/office/drawing/2014/main" id="{C76CE97D-6BA6-FF75-F143-881E6C71FEC3}"/>
+                <a16:creationId xmlns:a16="http://schemas.microsoft.com/office/drawing/2014/main" id="{37344FEE-E5D2-2DDD-AAD6-870F290AFB48}"/>
               </a:ext>
             </a:extLst>
           </p:cNvPr>
@@ -1380,7 +1380,7 @@
           <p:cNvPr id="5" name="日期占位符 4">
             <a:extLst>
               <a:ext uri="{FF2B5EF4-FFF2-40B4-BE49-F238E27FC236}">
-                <a16:creationId xmlns:a16="http://schemas.microsoft.com/office/drawing/2014/main" id="{1F20DA15-9508-65DA-F316-15B4F8F19718}"/>
+                <a16:creationId xmlns:a16="http://schemas.microsoft.com/office/drawing/2014/main" id="{501CC564-95A9-A252-AF05-7E8A76BA94E9}"/>
               </a:ext>
             </a:extLst>
           </p:cNvPr>
@@ -1396,7 +1396,7 @@
           <a:bodyPr/>
           <a:lstStyle/>
           <a:p>
-            <a:fld id="{5550F5B4-6F88-4883-8A8B-4DEE686091C4}" type="datetimeFigureOut">
+            <a:fld id="{F23AC854-FF47-44B0-861B-6CC8AE2EDE47}" type="datetimeFigureOut">
               <a:rPr lang="zh-CN" altLang="en-US" smtClean="0"/>
               <a:t>2024/3/10</a:t>
             </a:fld>
@@ -1409,7 +1409,7 @@
           <p:cNvPr id="6" name="页脚占位符 5">
             <a:extLst>
               <a:ext uri="{FF2B5EF4-FFF2-40B4-BE49-F238E27FC236}">
-                <a16:creationId xmlns:a16="http://schemas.microsoft.com/office/drawing/2014/main" id="{D2373065-E1F8-4943-E789-25AF3945B9CF}"/>
+                <a16:creationId xmlns:a16="http://schemas.microsoft.com/office/drawing/2014/main" id="{09F587E5-63D5-9152-EDBF-BAAFB5A7E146}"/>
               </a:ext>
             </a:extLst>
           </p:cNvPr>
@@ -1434,7 +1434,7 @@
           <p:cNvPr id="7" name="灯片编号占位符 6">
             <a:extLst>
               <a:ext uri="{FF2B5EF4-FFF2-40B4-BE49-F238E27FC236}">
-                <a16:creationId xmlns:a16="http://schemas.microsoft.com/office/drawing/2014/main" id="{E8976B49-8A42-2088-25D2-92BF588AB011}"/>
+                <a16:creationId xmlns:a16="http://schemas.microsoft.com/office/drawing/2014/main" id="{93B2A22C-7FE0-315F-3B2D-0788DBA4E107}"/>
               </a:ext>
             </a:extLst>
           </p:cNvPr>
@@ -1450,7 +1450,7 @@
           <a:bodyPr/>
           <a:lstStyle/>
           <a:p>
-            <a:fld id="{81F15D19-E4AF-465B-A93E-171BA4EC1CB1}" type="slidenum">
+            <a:fld id="{E8F104C0-311D-4F75-9242-ED319E2360F5}" type="slidenum">
               <a:rPr lang="zh-CN" altLang="en-US" smtClean="0"/>
               <a:t>‹#›</a:t>
             </a:fld>
@@ -1461,7 +1461,7 @@
     </p:spTree>
     <p:extLst>
       <p:ext uri="{BB962C8B-B14F-4D97-AF65-F5344CB8AC3E}">
-        <p14:creationId xmlns:p14="http://schemas.microsoft.com/office/powerpoint/2010/main" val="1756517337"/>
+        <p14:creationId xmlns:p14="http://schemas.microsoft.com/office/powerpoint/2010/main" val="2466619372"/>
       </p:ext>
     </p:extLst>
   </p:cSld>
@@ -1493,7 +1493,7 @@
           <p:cNvPr id="2" name="标题 1">
             <a:extLst>
               <a:ext uri="{FF2B5EF4-FFF2-40B4-BE49-F238E27FC236}">
-                <a16:creationId xmlns:a16="http://schemas.microsoft.com/office/drawing/2014/main" id="{59E47AEE-69D3-A0D8-BE14-14657F9AEF4D}"/>
+                <a16:creationId xmlns:a16="http://schemas.microsoft.com/office/drawing/2014/main" id="{8F566594-DDB9-F409-3A70-F5BF9D7928CC}"/>
               </a:ext>
             </a:extLst>
           </p:cNvPr>
@@ -1526,7 +1526,7 @@
           <p:cNvPr id="3" name="文本占位符 2">
             <a:extLst>
               <a:ext uri="{FF2B5EF4-FFF2-40B4-BE49-F238E27FC236}">
-                <a16:creationId xmlns:a16="http://schemas.microsoft.com/office/drawing/2014/main" id="{427E52A3-3A27-8490-5F8B-FDEB11D1FA1D}"/>
+                <a16:creationId xmlns:a16="http://schemas.microsoft.com/office/drawing/2014/main" id="{605F2946-AC65-0F41-42F6-875137E0CEA7}"/>
               </a:ext>
             </a:extLst>
           </p:cNvPr>
@@ -1597,7 +1597,7 @@
           <p:cNvPr id="4" name="内容占位符 3">
             <a:extLst>
               <a:ext uri="{FF2B5EF4-FFF2-40B4-BE49-F238E27FC236}">
-                <a16:creationId xmlns:a16="http://schemas.microsoft.com/office/drawing/2014/main" id="{C6905075-ABEB-972C-CF69-BED74CDF711C}"/>
+                <a16:creationId xmlns:a16="http://schemas.microsoft.com/office/drawing/2014/main" id="{34A97457-05A4-7069-856C-4DCE346487A9}"/>
               </a:ext>
             </a:extLst>
           </p:cNvPr>
@@ -1659,7 +1659,7 @@
           <p:cNvPr id="5" name="文本占位符 4">
             <a:extLst>
               <a:ext uri="{FF2B5EF4-FFF2-40B4-BE49-F238E27FC236}">
-                <a16:creationId xmlns:a16="http://schemas.microsoft.com/office/drawing/2014/main" id="{C7DA1030-8DAB-2B6B-BF3E-B1D3A803E6E4}"/>
+                <a16:creationId xmlns:a16="http://schemas.microsoft.com/office/drawing/2014/main" id="{EAD2FFC4-3A51-E73A-9A1F-B2A8131E776B}"/>
               </a:ext>
             </a:extLst>
           </p:cNvPr>
@@ -1730,7 +1730,7 @@
           <p:cNvPr id="6" name="内容占位符 5">
             <a:extLst>
               <a:ext uri="{FF2B5EF4-FFF2-40B4-BE49-F238E27FC236}">
-                <a16:creationId xmlns:a16="http://schemas.microsoft.com/office/drawing/2014/main" id="{7D003B94-FCA1-3914-9DC4-12C4DC4D1817}"/>
+                <a16:creationId xmlns:a16="http://schemas.microsoft.com/office/drawing/2014/main" id="{46EBAD28-A3AB-AF29-58C9-1BF2F9D6D8FD}"/>
               </a:ext>
             </a:extLst>
           </p:cNvPr>
@@ -1792,7 +1792,7 @@
           <p:cNvPr id="7" name="日期占位符 6">
             <a:extLst>
               <a:ext uri="{FF2B5EF4-FFF2-40B4-BE49-F238E27FC236}">
-                <a16:creationId xmlns:a16="http://schemas.microsoft.com/office/drawing/2014/main" id="{23E24683-FA9A-9AC1-E503-F31BB2EA4CEC}"/>
+                <a16:creationId xmlns:a16="http://schemas.microsoft.com/office/drawing/2014/main" id="{636094D9-9FB2-0883-4635-8A76824E735D}"/>
               </a:ext>
             </a:extLst>
           </p:cNvPr>
@@ -1808,7 +1808,7 @@
           <a:bodyPr/>
           <a:lstStyle/>
           <a:p>
-            <a:fld id="{5550F5B4-6F88-4883-8A8B-4DEE686091C4}" type="datetimeFigureOut">
+            <a:fld id="{F23AC854-FF47-44B0-861B-6CC8AE2EDE47}" type="datetimeFigureOut">
               <a:rPr lang="zh-CN" altLang="en-US" smtClean="0"/>
               <a:t>2024/3/10</a:t>
             </a:fld>
@@ -1821,7 +1821,7 @@
           <p:cNvPr id="8" name="页脚占位符 7">
             <a:extLst>
               <a:ext uri="{FF2B5EF4-FFF2-40B4-BE49-F238E27FC236}">
-                <a16:creationId xmlns:a16="http://schemas.microsoft.com/office/drawing/2014/main" id="{8352D7E5-EE23-563E-56DD-2DDA31FACFAA}"/>
+                <a16:creationId xmlns:a16="http://schemas.microsoft.com/office/drawing/2014/main" id="{F50EA0DA-6E44-4FF8-1F96-4C76BE9AD5A5}"/>
               </a:ext>
             </a:extLst>
           </p:cNvPr>
@@ -1846,7 +1846,7 @@
           <p:cNvPr id="9" name="灯片编号占位符 8">
             <a:extLst>
               <a:ext uri="{FF2B5EF4-FFF2-40B4-BE49-F238E27FC236}">
-                <a16:creationId xmlns:a16="http://schemas.microsoft.com/office/drawing/2014/main" id="{8BA24780-46A3-288B-75BA-6829AF84E297}"/>
+                <a16:creationId xmlns:a16="http://schemas.microsoft.com/office/drawing/2014/main" id="{B4441555-1703-2AC1-7260-960079A00B70}"/>
               </a:ext>
             </a:extLst>
           </p:cNvPr>
@@ -1862,7 +1862,7 @@
           <a:bodyPr/>
           <a:lstStyle/>
           <a:p>
-            <a:fld id="{81F15D19-E4AF-465B-A93E-171BA4EC1CB1}" type="slidenum">
+            <a:fld id="{E8F104C0-311D-4F75-9242-ED319E2360F5}" type="slidenum">
               <a:rPr lang="zh-CN" altLang="en-US" smtClean="0"/>
               <a:t>‹#›</a:t>
             </a:fld>
@@ -1873,7 +1873,7 @@
     </p:spTree>
     <p:extLst>
       <p:ext uri="{BB962C8B-B14F-4D97-AF65-F5344CB8AC3E}">
-        <p14:creationId xmlns:p14="http://schemas.microsoft.com/office/powerpoint/2010/main" val="3958926199"/>
+        <p14:creationId xmlns:p14="http://schemas.microsoft.com/office/powerpoint/2010/main" val="3598186733"/>
       </p:ext>
     </p:extLst>
   </p:cSld>
@@ -1905,7 +1905,7 @@
           <p:cNvPr id="2" name="标题 1">
             <a:extLst>
               <a:ext uri="{FF2B5EF4-FFF2-40B4-BE49-F238E27FC236}">
-                <a16:creationId xmlns:a16="http://schemas.microsoft.com/office/drawing/2014/main" id="{ABBAD800-81A6-E8BF-C9BC-1833593E3949}"/>
+                <a16:creationId xmlns:a16="http://schemas.microsoft.com/office/drawing/2014/main" id="{7ABE433A-9CD3-8F56-378E-6AF4CD8B97E4}"/>
               </a:ext>
             </a:extLst>
           </p:cNvPr>
@@ -1933,7 +1933,7 @@
           <p:cNvPr id="3" name="日期占位符 2">
             <a:extLst>
               <a:ext uri="{FF2B5EF4-FFF2-40B4-BE49-F238E27FC236}">
-                <a16:creationId xmlns:a16="http://schemas.microsoft.com/office/drawing/2014/main" id="{6EC76D2A-517E-B5FC-4A6C-6BC0571F8EC9}"/>
+                <a16:creationId xmlns:a16="http://schemas.microsoft.com/office/drawing/2014/main" id="{81652CBF-99DE-3EEB-4B25-EF485928545E}"/>
               </a:ext>
             </a:extLst>
           </p:cNvPr>
@@ -1949,7 +1949,7 @@
           <a:bodyPr/>
           <a:lstStyle/>
           <a:p>
-            <a:fld id="{5550F5B4-6F88-4883-8A8B-4DEE686091C4}" type="datetimeFigureOut">
+            <a:fld id="{F23AC854-FF47-44B0-861B-6CC8AE2EDE47}" type="datetimeFigureOut">
               <a:rPr lang="zh-CN" altLang="en-US" smtClean="0"/>
               <a:t>2024/3/10</a:t>
             </a:fld>
@@ -1962,7 +1962,7 @@
           <p:cNvPr id="4" name="页脚占位符 3">
             <a:extLst>
               <a:ext uri="{FF2B5EF4-FFF2-40B4-BE49-F238E27FC236}">
-                <a16:creationId xmlns:a16="http://schemas.microsoft.com/office/drawing/2014/main" id="{6FBD9F7F-3FB6-B61C-6E1B-E08BF64891BF}"/>
+                <a16:creationId xmlns:a16="http://schemas.microsoft.com/office/drawing/2014/main" id="{1AA84BFB-8699-8D31-E888-72E6F820D875}"/>
               </a:ext>
             </a:extLst>
           </p:cNvPr>
@@ -1987,7 +1987,7 @@
           <p:cNvPr id="5" name="灯片编号占位符 4">
             <a:extLst>
               <a:ext uri="{FF2B5EF4-FFF2-40B4-BE49-F238E27FC236}">
-                <a16:creationId xmlns:a16="http://schemas.microsoft.com/office/drawing/2014/main" id="{98DFDC8E-9159-BCAE-AC09-2A36276A74CE}"/>
+                <a16:creationId xmlns:a16="http://schemas.microsoft.com/office/drawing/2014/main" id="{0DD2F5D3-CFF8-2F0B-37CA-E01829A5CDC9}"/>
               </a:ext>
             </a:extLst>
           </p:cNvPr>
@@ -2003,7 +2003,7 @@
           <a:bodyPr/>
           <a:lstStyle/>
           <a:p>
-            <a:fld id="{81F15D19-E4AF-465B-A93E-171BA4EC1CB1}" type="slidenum">
+            <a:fld id="{E8F104C0-311D-4F75-9242-ED319E2360F5}" type="slidenum">
               <a:rPr lang="zh-CN" altLang="en-US" smtClean="0"/>
               <a:t>‹#›</a:t>
             </a:fld>
@@ -2014,7 +2014,7 @@
     </p:spTree>
     <p:extLst>
       <p:ext uri="{BB962C8B-B14F-4D97-AF65-F5344CB8AC3E}">
-        <p14:creationId xmlns:p14="http://schemas.microsoft.com/office/powerpoint/2010/main" val="2154586255"/>
+        <p14:creationId xmlns:p14="http://schemas.microsoft.com/office/powerpoint/2010/main" val="3788110848"/>
       </p:ext>
     </p:extLst>
   </p:cSld>
@@ -2046,7 +2046,7 @@
           <p:cNvPr id="2" name="日期占位符 1">
             <a:extLst>
               <a:ext uri="{FF2B5EF4-FFF2-40B4-BE49-F238E27FC236}">
-                <a16:creationId xmlns:a16="http://schemas.microsoft.com/office/drawing/2014/main" id="{F1C22D33-B796-8224-650D-D7D79E71B8DA}"/>
+                <a16:creationId xmlns:a16="http://schemas.microsoft.com/office/drawing/2014/main" id="{9DE722FF-544F-186E-44E2-4BEC92BC2FFB}"/>
               </a:ext>
             </a:extLst>
           </p:cNvPr>
@@ -2062,7 +2062,7 @@
           <a:bodyPr/>
           <a:lstStyle/>
           <a:p>
-            <a:fld id="{5550F5B4-6F88-4883-8A8B-4DEE686091C4}" type="datetimeFigureOut">
+            <a:fld id="{F23AC854-FF47-44B0-861B-6CC8AE2EDE47}" type="datetimeFigureOut">
               <a:rPr lang="zh-CN" altLang="en-US" smtClean="0"/>
               <a:t>2024/3/10</a:t>
             </a:fld>
@@ -2075,7 +2075,7 @@
           <p:cNvPr id="3" name="页脚占位符 2">
             <a:extLst>
               <a:ext uri="{FF2B5EF4-FFF2-40B4-BE49-F238E27FC236}">
-                <a16:creationId xmlns:a16="http://schemas.microsoft.com/office/drawing/2014/main" id="{E9CE4922-84C7-6BA7-C3B7-BCA9E3FB8FCE}"/>
+                <a16:creationId xmlns:a16="http://schemas.microsoft.com/office/drawing/2014/main" id="{470DD781-8DE8-7AFF-E4A9-376166B226EE}"/>
               </a:ext>
             </a:extLst>
           </p:cNvPr>
@@ -2100,7 +2100,7 @@
           <p:cNvPr id="4" name="灯片编号占位符 3">
             <a:extLst>
               <a:ext uri="{FF2B5EF4-FFF2-40B4-BE49-F238E27FC236}">
-                <a16:creationId xmlns:a16="http://schemas.microsoft.com/office/drawing/2014/main" id="{D56222F2-B3F1-10A5-27D5-7334BA3B4996}"/>
+                <a16:creationId xmlns:a16="http://schemas.microsoft.com/office/drawing/2014/main" id="{00CCFA5A-0466-A322-3A2B-ED203D8C233F}"/>
               </a:ext>
             </a:extLst>
           </p:cNvPr>
@@ -2116,7 +2116,7 @@
           <a:bodyPr/>
           <a:lstStyle/>
           <a:p>
-            <a:fld id="{81F15D19-E4AF-465B-A93E-171BA4EC1CB1}" type="slidenum">
+            <a:fld id="{E8F104C0-311D-4F75-9242-ED319E2360F5}" type="slidenum">
               <a:rPr lang="zh-CN" altLang="en-US" smtClean="0"/>
               <a:t>‹#›</a:t>
             </a:fld>
@@ -2127,7 +2127,7 @@
     </p:spTree>
     <p:extLst>
       <p:ext uri="{BB962C8B-B14F-4D97-AF65-F5344CB8AC3E}">
-        <p14:creationId xmlns:p14="http://schemas.microsoft.com/office/powerpoint/2010/main" val="453944180"/>
+        <p14:creationId xmlns:p14="http://schemas.microsoft.com/office/powerpoint/2010/main" val="1927934986"/>
       </p:ext>
     </p:extLst>
   </p:cSld>
@@ -2159,7 +2159,7 @@
           <p:cNvPr id="2" name="标题 1">
             <a:extLst>
               <a:ext uri="{FF2B5EF4-FFF2-40B4-BE49-F238E27FC236}">
-                <a16:creationId xmlns:a16="http://schemas.microsoft.com/office/drawing/2014/main" id="{2BE04BE0-37A4-165D-00D9-C60FA6119F39}"/>
+                <a16:creationId xmlns:a16="http://schemas.microsoft.com/office/drawing/2014/main" id="{CF15E383-BFA9-8482-D83D-9D7700296D4D}"/>
               </a:ext>
             </a:extLst>
           </p:cNvPr>
@@ -2196,7 +2196,7 @@
           <p:cNvPr id="3" name="内容占位符 2">
             <a:extLst>
               <a:ext uri="{FF2B5EF4-FFF2-40B4-BE49-F238E27FC236}">
-                <a16:creationId xmlns:a16="http://schemas.microsoft.com/office/drawing/2014/main" id="{B4B69020-A643-01DD-B71B-448FDBF6AF2F}"/>
+                <a16:creationId xmlns:a16="http://schemas.microsoft.com/office/drawing/2014/main" id="{928F937C-B7BA-01CB-E2D4-C5054D8D4C43}"/>
               </a:ext>
             </a:extLst>
           </p:cNvPr>
@@ -2286,7 +2286,7 @@
           <p:cNvPr id="4" name="文本占位符 3">
             <a:extLst>
               <a:ext uri="{FF2B5EF4-FFF2-40B4-BE49-F238E27FC236}">
-                <a16:creationId xmlns:a16="http://schemas.microsoft.com/office/drawing/2014/main" id="{425E0750-EB66-324A-2DB4-C4D8F77BF69E}"/>
+                <a16:creationId xmlns:a16="http://schemas.microsoft.com/office/drawing/2014/main" id="{955C2181-5118-BB46-1D1B-BDBC46EA4158}"/>
               </a:ext>
             </a:extLst>
           </p:cNvPr>
@@ -2357,7 +2357,7 @@
           <p:cNvPr id="5" name="日期占位符 4">
             <a:extLst>
               <a:ext uri="{FF2B5EF4-FFF2-40B4-BE49-F238E27FC236}">
-                <a16:creationId xmlns:a16="http://schemas.microsoft.com/office/drawing/2014/main" id="{55D77D95-A236-092F-A933-8FA5AF4C8920}"/>
+                <a16:creationId xmlns:a16="http://schemas.microsoft.com/office/drawing/2014/main" id="{908E46D6-0CBD-8CF5-8DFA-C1FC6C594BF1}"/>
               </a:ext>
             </a:extLst>
           </p:cNvPr>
@@ -2373,7 +2373,7 @@
           <a:bodyPr/>
           <a:lstStyle/>
           <a:p>
-            <a:fld id="{5550F5B4-6F88-4883-8A8B-4DEE686091C4}" type="datetimeFigureOut">
+            <a:fld id="{F23AC854-FF47-44B0-861B-6CC8AE2EDE47}" type="datetimeFigureOut">
               <a:rPr lang="zh-CN" altLang="en-US" smtClean="0"/>
               <a:t>2024/3/10</a:t>
             </a:fld>
@@ -2386,7 +2386,7 @@
           <p:cNvPr id="6" name="页脚占位符 5">
             <a:extLst>
               <a:ext uri="{FF2B5EF4-FFF2-40B4-BE49-F238E27FC236}">
-                <a16:creationId xmlns:a16="http://schemas.microsoft.com/office/drawing/2014/main" id="{D9FD81D7-C062-F2A0-6A7A-14A8CE98885B}"/>
+                <a16:creationId xmlns:a16="http://schemas.microsoft.com/office/drawing/2014/main" id="{E408B980-29A0-2ECA-BC97-6581295492D0}"/>
               </a:ext>
             </a:extLst>
           </p:cNvPr>
@@ -2411,7 +2411,7 @@
           <p:cNvPr id="7" name="灯片编号占位符 6">
             <a:extLst>
               <a:ext uri="{FF2B5EF4-FFF2-40B4-BE49-F238E27FC236}">
-                <a16:creationId xmlns:a16="http://schemas.microsoft.com/office/drawing/2014/main" id="{FDF0CFBE-6541-6D56-2613-1E8EEC942B40}"/>
+                <a16:creationId xmlns:a16="http://schemas.microsoft.com/office/drawing/2014/main" id="{BE181EFC-FE82-3376-9C32-7E79A3850630}"/>
               </a:ext>
             </a:extLst>
           </p:cNvPr>
@@ -2427,7 +2427,7 @@
           <a:bodyPr/>
           <a:lstStyle/>
           <a:p>
-            <a:fld id="{81F15D19-E4AF-465B-A93E-171BA4EC1CB1}" type="slidenum">
+            <a:fld id="{E8F104C0-311D-4F75-9242-ED319E2360F5}" type="slidenum">
               <a:rPr lang="zh-CN" altLang="en-US" smtClean="0"/>
               <a:t>‹#›</a:t>
             </a:fld>
@@ -2438,7 +2438,7 @@
     </p:spTree>
     <p:extLst>
       <p:ext uri="{BB962C8B-B14F-4D97-AF65-F5344CB8AC3E}">
-        <p14:creationId xmlns:p14="http://schemas.microsoft.com/office/powerpoint/2010/main" val="3355060616"/>
+        <p14:creationId xmlns:p14="http://schemas.microsoft.com/office/powerpoint/2010/main" val="1410543172"/>
       </p:ext>
     </p:extLst>
   </p:cSld>
@@ -2470,7 +2470,7 @@
           <p:cNvPr id="2" name="标题 1">
             <a:extLst>
               <a:ext uri="{FF2B5EF4-FFF2-40B4-BE49-F238E27FC236}">
-                <a16:creationId xmlns:a16="http://schemas.microsoft.com/office/drawing/2014/main" id="{39C8BE7F-957E-38D0-D1C0-7180BA6F86B4}"/>
+                <a16:creationId xmlns:a16="http://schemas.microsoft.com/office/drawing/2014/main" id="{47622B78-7CEF-E73C-E948-5C4C139CEB8D}"/>
               </a:ext>
             </a:extLst>
           </p:cNvPr>
@@ -2507,7 +2507,7 @@
           <p:cNvPr id="3" name="图片占位符 2">
             <a:extLst>
               <a:ext uri="{FF2B5EF4-FFF2-40B4-BE49-F238E27FC236}">
-                <a16:creationId xmlns:a16="http://schemas.microsoft.com/office/drawing/2014/main" id="{CBD6758B-985C-8A1B-F7AA-E504E7920245}"/>
+                <a16:creationId xmlns:a16="http://schemas.microsoft.com/office/drawing/2014/main" id="{5EE2AFF8-7D53-F35F-D93E-8AE1C5ACDA12}"/>
               </a:ext>
             </a:extLst>
           </p:cNvPr>
@@ -2574,7 +2574,7 @@
           <p:cNvPr id="4" name="文本占位符 3">
             <a:extLst>
               <a:ext uri="{FF2B5EF4-FFF2-40B4-BE49-F238E27FC236}">
-                <a16:creationId xmlns:a16="http://schemas.microsoft.com/office/drawing/2014/main" id="{98A133C4-0021-50A5-6DD9-EC29224C633F}"/>
+                <a16:creationId xmlns:a16="http://schemas.microsoft.com/office/drawing/2014/main" id="{F7250FD2-8EC8-DC1B-0E81-D91AFAF7E445}"/>
               </a:ext>
             </a:extLst>
           </p:cNvPr>
@@ -2645,7 +2645,7 @@
           <p:cNvPr id="5" name="日期占位符 4">
             <a:extLst>
               <a:ext uri="{FF2B5EF4-FFF2-40B4-BE49-F238E27FC236}">
-                <a16:creationId xmlns:a16="http://schemas.microsoft.com/office/drawing/2014/main" id="{643D12C7-1A46-1558-89C8-D2589DD8B212}"/>
+                <a16:creationId xmlns:a16="http://schemas.microsoft.com/office/drawing/2014/main" id="{99A25845-30C7-0F9B-050F-927961A6B100}"/>
               </a:ext>
             </a:extLst>
           </p:cNvPr>
@@ -2661,7 +2661,7 @@
           <a:bodyPr/>
           <a:lstStyle/>
           <a:p>
-            <a:fld id="{5550F5B4-6F88-4883-8A8B-4DEE686091C4}" type="datetimeFigureOut">
+            <a:fld id="{F23AC854-FF47-44B0-861B-6CC8AE2EDE47}" type="datetimeFigureOut">
               <a:rPr lang="zh-CN" altLang="en-US" smtClean="0"/>
               <a:t>2024/3/10</a:t>
             </a:fld>
@@ -2674,7 +2674,7 @@
           <p:cNvPr id="6" name="页脚占位符 5">
             <a:extLst>
               <a:ext uri="{FF2B5EF4-FFF2-40B4-BE49-F238E27FC236}">
-                <a16:creationId xmlns:a16="http://schemas.microsoft.com/office/drawing/2014/main" id="{AEC6E4C0-41AF-DD8C-98A0-6CF6EC2BE630}"/>
+                <a16:creationId xmlns:a16="http://schemas.microsoft.com/office/drawing/2014/main" id="{A570AFD2-1D1C-C95C-4FEF-AA5E83E9407B}"/>
               </a:ext>
             </a:extLst>
           </p:cNvPr>
@@ -2699,7 +2699,7 @@
           <p:cNvPr id="7" name="灯片编号占位符 6">
             <a:extLst>
               <a:ext uri="{FF2B5EF4-FFF2-40B4-BE49-F238E27FC236}">
-                <a16:creationId xmlns:a16="http://schemas.microsoft.com/office/drawing/2014/main" id="{3B4790BD-85D9-F48F-E419-8743CE7F8DBD}"/>
+                <a16:creationId xmlns:a16="http://schemas.microsoft.com/office/drawing/2014/main" id="{190E8FA5-40B9-D05B-5E75-BBCEFB16823C}"/>
               </a:ext>
             </a:extLst>
           </p:cNvPr>
@@ -2715,7 +2715,7 @@
           <a:bodyPr/>
           <a:lstStyle/>
           <a:p>
-            <a:fld id="{81F15D19-E4AF-465B-A93E-171BA4EC1CB1}" type="slidenum">
+            <a:fld id="{E8F104C0-311D-4F75-9242-ED319E2360F5}" type="slidenum">
               <a:rPr lang="zh-CN" altLang="en-US" smtClean="0"/>
               <a:t>‹#›</a:t>
             </a:fld>
@@ -2726,7 +2726,7 @@
     </p:spTree>
     <p:extLst>
       <p:ext uri="{BB962C8B-B14F-4D97-AF65-F5344CB8AC3E}">
-        <p14:creationId xmlns:p14="http://schemas.microsoft.com/office/powerpoint/2010/main" val="1922827420"/>
+        <p14:creationId xmlns:p14="http://schemas.microsoft.com/office/powerpoint/2010/main" val="2821460741"/>
       </p:ext>
     </p:extLst>
   </p:cSld>
@@ -2763,7 +2763,7 @@
           <p:cNvPr id="2" name="标题占位符 1">
             <a:extLst>
               <a:ext uri="{FF2B5EF4-FFF2-40B4-BE49-F238E27FC236}">
-                <a16:creationId xmlns:a16="http://schemas.microsoft.com/office/drawing/2014/main" id="{99DA643A-BA3C-9974-4BBB-9D8C61ABB08A}"/>
+                <a16:creationId xmlns:a16="http://schemas.microsoft.com/office/drawing/2014/main" id="{DB81FAB8-D9B6-ECD3-68D8-9F939EEF097D}"/>
               </a:ext>
             </a:extLst>
           </p:cNvPr>
@@ -2801,7 +2801,7 @@
           <p:cNvPr id="3" name="文本占位符 2">
             <a:extLst>
               <a:ext uri="{FF2B5EF4-FFF2-40B4-BE49-F238E27FC236}">
-                <a16:creationId xmlns:a16="http://schemas.microsoft.com/office/drawing/2014/main" id="{576BC624-5E81-7F81-5AB7-01BBD028AA64}"/>
+                <a16:creationId xmlns:a16="http://schemas.microsoft.com/office/drawing/2014/main" id="{BA28956D-C7E4-82FE-1595-6FD4F87A7C1A}"/>
               </a:ext>
             </a:extLst>
           </p:cNvPr>
@@ -2868,7 +2868,7 @@
           <p:cNvPr id="4" name="日期占位符 3">
             <a:extLst>
               <a:ext uri="{FF2B5EF4-FFF2-40B4-BE49-F238E27FC236}">
-                <a16:creationId xmlns:a16="http://schemas.microsoft.com/office/drawing/2014/main" id="{D2E4AAA3-163E-37C5-0157-15827CCE62B9}"/>
+                <a16:creationId xmlns:a16="http://schemas.microsoft.com/office/drawing/2014/main" id="{F0D21375-F836-7E64-B486-FBF6B723BE54}"/>
               </a:ext>
             </a:extLst>
           </p:cNvPr>
@@ -2902,7 +2902,7 @@
             </a:lvl1pPr>
           </a:lstStyle>
           <a:p>
-            <a:fld id="{5550F5B4-6F88-4883-8A8B-4DEE686091C4}" type="datetimeFigureOut">
+            <a:fld id="{F23AC854-FF47-44B0-861B-6CC8AE2EDE47}" type="datetimeFigureOut">
               <a:rPr lang="zh-CN" altLang="en-US" smtClean="0"/>
               <a:t>2024/3/10</a:t>
             </a:fld>
@@ -2915,7 +2915,7 @@
           <p:cNvPr id="5" name="页脚占位符 4">
             <a:extLst>
               <a:ext uri="{FF2B5EF4-FFF2-40B4-BE49-F238E27FC236}">
-                <a16:creationId xmlns:a16="http://schemas.microsoft.com/office/drawing/2014/main" id="{17DEAA99-7894-A537-FAC9-351A0C265138}"/>
+                <a16:creationId xmlns:a16="http://schemas.microsoft.com/office/drawing/2014/main" id="{564A57B8-1E63-5C1A-72F0-2E4D99E74996}"/>
               </a:ext>
             </a:extLst>
           </p:cNvPr>
@@ -2958,7 +2958,7 @@
           <p:cNvPr id="6" name="灯片编号占位符 5">
             <a:extLst>
               <a:ext uri="{FF2B5EF4-FFF2-40B4-BE49-F238E27FC236}">
-                <a16:creationId xmlns:a16="http://schemas.microsoft.com/office/drawing/2014/main" id="{65124F26-7C92-690D-9669-7F54F025C339}"/>
+                <a16:creationId xmlns:a16="http://schemas.microsoft.com/office/drawing/2014/main" id="{3AE48FF5-9BCB-DC4C-BC4A-F5573A422497}"/>
               </a:ext>
             </a:extLst>
           </p:cNvPr>
@@ -2992,7 +2992,7 @@
             </a:lvl1pPr>
           </a:lstStyle>
           <a:p>
-            <a:fld id="{81F15D19-E4AF-465B-A93E-171BA4EC1CB1}" type="slidenum">
+            <a:fld id="{E8F104C0-311D-4F75-9242-ED319E2360F5}" type="slidenum">
               <a:rPr lang="zh-CN" altLang="en-US" smtClean="0"/>
               <a:t>‹#›</a:t>
             </a:fld>
@@ -3003,7 +3003,7 @@
     </p:spTree>
     <p:extLst>
       <p:ext uri="{BB962C8B-B14F-4D97-AF65-F5344CB8AC3E}">
-        <p14:creationId xmlns:p14="http://schemas.microsoft.com/office/powerpoint/2010/main" val="1400392561"/>
+        <p14:creationId xmlns:p14="http://schemas.microsoft.com/office/powerpoint/2010/main" val="2867141924"/>
       </p:ext>
     </p:extLst>
   </p:cSld>
